--- a/05_Abschlusspräsentation/Abschlusspraesentation.pptx
+++ b/05_Abschlusspräsentation/Abschlusspraesentation.pptx
@@ -519,6 +519,11 @@
               </a:ln>
               <a:effectLst/>
             </c:spPr>
+            <c:extLst>
+              <c:ext xmlns:c16="http://schemas.microsoft.com/office/drawing/2014/chart" uri="{C3380CC4-5D6E-409C-BE32-E72D297353CC}">
+                <c16:uniqueId val="{00000001-DBE6-4654-868C-BF2668669C66}"/>
+              </c:ext>
+            </c:extLst>
           </c:dPt>
           <c:dPt>
             <c:idx val="1"/>
@@ -534,6 +539,11 @@
               </a:ln>
               <a:effectLst/>
             </c:spPr>
+            <c:extLst>
+              <c:ext xmlns:c16="http://schemas.microsoft.com/office/drawing/2014/chart" uri="{C3380CC4-5D6E-409C-BE32-E72D297353CC}">
+                <c16:uniqueId val="{00000003-DBE6-4654-868C-BF2668669C66}"/>
+              </c:ext>
+            </c:extLst>
           </c:dPt>
           <c:dPt>
             <c:idx val="2"/>
@@ -1204,44 +1214,15 @@
     <cx:data id="0">
       <cx:strDim type="cat">
         <cx:f>Tabelle1!$A$2:$C$12</cx:f>
+        <cx:lvl ptCount="11"/>
         <cx:lvl ptCount="11">
-          <cx:pt idx="0"/>
-          <cx:pt idx="1"/>
-          <cx:pt idx="2"/>
-          <cx:pt idx="3"/>
-          <cx:pt idx="4"/>
-          <cx:pt idx="5"/>
-          <cx:pt idx="6"/>
-          <cx:pt idx="7"/>
-          <cx:pt idx="8"/>
-          <cx:pt idx="9"/>
-          <cx:pt idx="10"/>
-        </cx:lvl>
-        <cx:lvl ptCount="11">
-          <cx:pt idx="0"/>
           <cx:pt idx="1">Prozesse</cx:pt>
           <cx:pt idx="2">Rest</cx:pt>
-          <cx:pt idx="3"/>
-          <cx:pt idx="4"/>
-          <cx:pt idx="5"/>
-          <cx:pt idx="6"/>
-          <cx:pt idx="7"/>
-          <cx:pt idx="8"/>
-          <cx:pt idx="9"/>
-          <cx:pt idx="10"/>
         </cx:lvl>
         <cx:lvl ptCount="11">
           <cx:pt idx="0">Abgedeckt</cx:pt>
           <cx:pt idx="1">Nicht abgedeckt</cx:pt>
           <cx:pt idx="2">Nicht abgedeckt</cx:pt>
-          <cx:pt idx="3"/>
-          <cx:pt idx="4"/>
-          <cx:pt idx="5"/>
-          <cx:pt idx="6"/>
-          <cx:pt idx="7"/>
-          <cx:pt idx="8"/>
-          <cx:pt idx="9"/>
-          <cx:pt idx="10"/>
         </cx:lvl>
       </cx:strDim>
       <cx:numDim type="size">
@@ -11249,9 +11230,9 @@
             <p:nvPr/>
           </p:nvCxnSpPr>
           <p:spPr>
-            <a:xfrm>
-              <a:off x="4923566" y="2394402"/>
-              <a:ext cx="1818458" cy="13732"/>
+            <a:xfrm flipH="1">
+              <a:off x="4850513" y="2409172"/>
+              <a:ext cx="1895349" cy="0"/>
             </a:xfrm>
             <a:prstGeom prst="straightConnector1">
               <a:avLst/>
@@ -12516,8 +12497,8 @@
           </a:p>
         </p:txBody>
       </p:sp>
-      <mc:AlternateContent xmlns:mc="http://schemas.openxmlformats.org/markup-compatibility/2006">
-        <mc:Choice xmlns:cx1="http://schemas.microsoft.com/office/drawing/2015/9/8/chartex" Requires="cx1">
+      <mc:AlternateContent xmlns:mc="http://schemas.openxmlformats.org/markup-compatibility/2006" xmlns:cx1="http://schemas.microsoft.com/office/drawing/2015/9/8/chartex">
+        <mc:Choice Requires="cx1">
           <p:graphicFrame>
             <p:nvGraphicFramePr>
               <p:cNvPr id="15" name="Inhaltsplatzhalter 14">
@@ -12550,7 +12531,7 @@
             </a:graphic>
           </p:graphicFrame>
         </mc:Choice>
-        <mc:Fallback>
+        <mc:Fallback xmlns="">
           <p:pic>
             <p:nvPicPr>
               <p:cNvPr id="15" name="Inhaltsplatzhalter 14">

--- a/05_Abschlusspräsentation/Abschlusspraesentation.pptx
+++ b/05_Abschlusspräsentation/Abschlusspraesentation.pptx
@@ -8677,10 +8677,10 @@
       </p:sp>
       <p:grpSp>
         <p:nvGrpSpPr>
-          <p:cNvPr id="67" name="Gruppieren 66">
+          <p:cNvPr id="64" name="Gruppieren 63">
             <a:extLst>
               <a:ext uri="{FF2B5EF4-FFF2-40B4-BE49-F238E27FC236}">
-                <a16:creationId xmlns:a16="http://schemas.microsoft.com/office/drawing/2014/main" id="{7835DF83-9B01-4F38-86D5-2A31C6789FAF}"/>
+                <a16:creationId xmlns:a16="http://schemas.microsoft.com/office/drawing/2014/main" id="{7C44B967-D08F-4889-B9CF-5B732B641CA9}"/>
               </a:ext>
             </a:extLst>
           </p:cNvPr>
@@ -8689,10 +8689,10 @@
         </p:nvGrpSpPr>
         <p:grpSpPr>
           <a:xfrm>
-            <a:off x="165670" y="1660646"/>
-            <a:ext cx="11860659" cy="4469832"/>
-            <a:chOff x="190040" y="1651768"/>
-            <a:chExt cx="11860659" cy="4469832"/>
+            <a:off x="548733" y="1247824"/>
+            <a:ext cx="11281416" cy="5395966"/>
+            <a:chOff x="216224" y="1296661"/>
+            <a:chExt cx="11281416" cy="5395966"/>
           </a:xfrm>
         </p:grpSpPr>
         <p:sp>
@@ -8709,7 +8709,7 @@
           </p:nvSpPr>
           <p:spPr>
             <a:xfrm>
-              <a:off x="6779580" y="2098032"/>
+              <a:off x="5849687" y="1742925"/>
               <a:ext cx="617000" cy="617000"/>
             </a:xfrm>
             <a:custGeom>
@@ -9174,7 +9174,7 @@
           </p:nvSpPr>
           <p:spPr>
             <a:xfrm>
-              <a:off x="10527118" y="2099490"/>
+              <a:off x="8774019" y="1744383"/>
               <a:ext cx="617000" cy="617000"/>
             </a:xfrm>
             <a:custGeom>
@@ -9638,7 +9638,7 @@
           </p:nvSpPr>
           <p:spPr>
             <a:xfrm>
-              <a:off x="4209803" y="5109783"/>
+              <a:off x="3279910" y="4754676"/>
               <a:ext cx="617000" cy="617000"/>
             </a:xfrm>
             <a:custGeom>
@@ -9838,7 +9838,7 @@
           </p:nvSpPr>
           <p:spPr>
             <a:xfrm>
-              <a:off x="10527117" y="5116827"/>
+              <a:off x="8774018" y="5446393"/>
               <a:ext cx="617000" cy="617000"/>
             </a:xfrm>
             <a:custGeom>
@@ -10038,7 +10038,7 @@
           </p:nvSpPr>
           <p:spPr>
             <a:xfrm>
-              <a:off x="1316568" y="2094969"/>
+              <a:off x="386675" y="1739862"/>
               <a:ext cx="617000" cy="617000"/>
             </a:xfrm>
             <a:custGeom>
@@ -10246,7 +10246,7 @@
           </p:nvSpPr>
           <p:spPr>
             <a:xfrm>
-              <a:off x="1234450" y="1651768"/>
+              <a:off x="304557" y="1296661"/>
               <a:ext cx="781235" cy="369332"/>
             </a:xfrm>
             <a:prstGeom prst="rect">
@@ -10281,7 +10281,7 @@
           </p:nvSpPr>
           <p:spPr>
             <a:xfrm>
-              <a:off x="10428031" y="5752268"/>
+              <a:off x="8674932" y="6081834"/>
               <a:ext cx="815173" cy="369332"/>
             </a:xfrm>
             <a:prstGeom prst="rect">
@@ -10316,7 +10316,7 @@
           </p:nvSpPr>
           <p:spPr>
             <a:xfrm>
-              <a:off x="4105527" y="5672995"/>
+              <a:off x="3175634" y="5317888"/>
               <a:ext cx="832565" cy="369332"/>
             </a:xfrm>
             <a:prstGeom prst="rect">
@@ -10351,7 +10351,7 @@
           </p:nvSpPr>
           <p:spPr>
             <a:xfrm>
-              <a:off x="6767655" y="1653921"/>
+              <a:off x="5837762" y="1298814"/>
               <a:ext cx="640849" cy="369332"/>
             </a:xfrm>
             <a:prstGeom prst="rect">
@@ -10386,7 +10386,7 @@
           </p:nvSpPr>
           <p:spPr>
             <a:xfrm>
-              <a:off x="10102840" y="1656433"/>
+              <a:off x="8349741" y="1301326"/>
               <a:ext cx="1465555" cy="369332"/>
             </a:xfrm>
             <a:prstGeom prst="rect">
@@ -10421,8 +10421,8 @@
           </p:nvSpPr>
           <p:spPr>
             <a:xfrm>
-              <a:off x="985061" y="5026780"/>
-              <a:ext cx="1278385" cy="821846"/>
+              <a:off x="216224" y="4671673"/>
+              <a:ext cx="956274" cy="821846"/>
             </a:xfrm>
             <a:prstGeom prst="roundRect">
               <a:avLst/>
@@ -10478,7 +10478,7 @@
           </p:nvCxnSpPr>
           <p:spPr>
             <a:xfrm flipV="1">
-              <a:off x="1624253" y="2711972"/>
+              <a:off x="694360" y="2356865"/>
               <a:ext cx="814" cy="2228225"/>
             </a:xfrm>
             <a:prstGeom prst="straightConnector1">
@@ -10525,7 +10525,7 @@
           </p:nvSpPr>
           <p:spPr>
             <a:xfrm>
-              <a:off x="190040" y="3453876"/>
+              <a:off x="772216" y="3098769"/>
               <a:ext cx="1434213" cy="830997"/>
             </a:xfrm>
             <a:prstGeom prst="rect">
@@ -10576,7 +10576,7 @@
           </p:nvCxnSpPr>
           <p:spPr>
             <a:xfrm>
-              <a:off x="2000419" y="2393284"/>
+              <a:off x="1070526" y="2038177"/>
               <a:ext cx="2233094" cy="15888"/>
             </a:xfrm>
             <a:prstGeom prst="straightConnector1">
@@ -10623,7 +10623,7 @@
           </p:nvSpPr>
           <p:spPr>
             <a:xfrm>
-              <a:off x="2164280" y="2414979"/>
+              <a:off x="1234387" y="2059872"/>
               <a:ext cx="1838521" cy="830997"/>
             </a:xfrm>
             <a:prstGeom prst="rect">
@@ -10662,7 +10662,7 @@
           </p:nvSpPr>
           <p:spPr>
             <a:xfrm>
-              <a:off x="4233513" y="2098032"/>
+              <a:off x="3303620" y="1742925"/>
               <a:ext cx="617000" cy="617000"/>
             </a:xfrm>
             <a:custGeom>
@@ -11194,7 +11194,7 @@
           </p:nvSpPr>
           <p:spPr>
             <a:xfrm>
-              <a:off x="3788353" y="1656433"/>
+              <a:off x="2858460" y="1301326"/>
               <a:ext cx="1507320" cy="369332"/>
             </a:xfrm>
             <a:prstGeom prst="rect">
@@ -11231,7 +11231,7 @@
           </p:nvCxnSpPr>
           <p:spPr>
             <a:xfrm flipH="1">
-              <a:off x="4850513" y="2409172"/>
+              <a:off x="3920620" y="2054065"/>
               <a:ext cx="1895349" cy="0"/>
             </a:xfrm>
             <a:prstGeom prst="straightConnector1">
@@ -11278,7 +11278,7 @@
           </p:nvSpPr>
           <p:spPr>
             <a:xfrm>
-              <a:off x="4907341" y="2427159"/>
+              <a:off x="4093128" y="2072818"/>
               <a:ext cx="1838521" cy="584775"/>
             </a:xfrm>
             <a:prstGeom prst="rect">
@@ -11298,7 +11298,7 @@
                     <a:srgbClr val="7A9866"/>
                   </a:solidFill>
                 </a:rPr>
-                <a:t>Entgegennahme anliegender Daten</a:t>
+                <a:t>Abholung anliegender Daten</a:t>
               </a:r>
             </a:p>
           </p:txBody>
@@ -11317,7 +11317,7 @@
           </p:nvSpPr>
           <p:spPr>
             <a:xfrm>
-              <a:off x="6779580" y="5109783"/>
+              <a:off x="5849687" y="5439349"/>
               <a:ext cx="617000" cy="617000"/>
             </a:xfrm>
             <a:custGeom>
@@ -11849,7 +11849,7 @@
           </p:nvSpPr>
           <p:spPr>
             <a:xfrm>
-              <a:off x="6355103" y="5752268"/>
+              <a:off x="5425210" y="6081834"/>
               <a:ext cx="1507320" cy="369332"/>
             </a:xfrm>
             <a:prstGeom prst="rect">
@@ -11886,8 +11886,8 @@
           </p:nvCxnSpPr>
           <p:spPr>
             <a:xfrm flipH="1">
-              <a:off x="7396580" y="2414979"/>
-              <a:ext cx="3063687" cy="0"/>
+              <a:off x="6466688" y="2059872"/>
+              <a:ext cx="2208244" cy="0"/>
             </a:xfrm>
             <a:prstGeom prst="straightConnector1">
               <a:avLst/>
@@ -11933,7 +11933,7 @@
           </p:nvSpPr>
           <p:spPr>
             <a:xfrm>
-              <a:off x="8042550" y="2447629"/>
+              <a:off x="6588403" y="2085358"/>
               <a:ext cx="2060290" cy="830997"/>
             </a:xfrm>
             <a:prstGeom prst="rect">
@@ -11974,8 +11974,8 @@
           </p:nvCxnSpPr>
           <p:spPr>
             <a:xfrm>
-              <a:off x="7088080" y="2754713"/>
-              <a:ext cx="0" cy="2355070"/>
+              <a:off x="6158187" y="2399606"/>
+              <a:ext cx="20683" cy="3039743"/>
             </a:xfrm>
             <a:prstGeom prst="straightConnector1">
               <a:avLst/>
@@ -12021,7 +12021,7 @@
           </p:nvSpPr>
           <p:spPr>
             <a:xfrm>
-              <a:off x="7108763" y="3292140"/>
+              <a:off x="6212478" y="3361028"/>
               <a:ext cx="1342777" cy="1077218"/>
             </a:xfrm>
             <a:prstGeom prst="rect">
@@ -12057,13 +12057,14 @@
             </p:cNvPr>
             <p:cNvCxnSpPr>
               <a:cxnSpLocks/>
+              <a:endCxn id="40" idx="3"/>
             </p:cNvCxnSpPr>
             <p:nvPr/>
           </p:nvCxnSpPr>
           <p:spPr>
             <a:xfrm flipH="1">
-              <a:off x="2255651" y="5454623"/>
-              <a:ext cx="1849283" cy="0"/>
+              <a:off x="1172498" y="5082596"/>
+              <a:ext cx="2040562" cy="0"/>
             </a:xfrm>
             <a:prstGeom prst="straightConnector1">
               <a:avLst/>
@@ -12109,7 +12110,7 @@
           </p:nvSpPr>
           <p:spPr>
             <a:xfrm>
-              <a:off x="2667093" y="4603032"/>
+              <a:off x="1681322" y="4245792"/>
               <a:ext cx="1275129" cy="830997"/>
             </a:xfrm>
             <a:prstGeom prst="rect">
@@ -12149,9 +12150,9 @@
             <p:nvPr/>
           </p:nvCxnSpPr>
           <p:spPr>
-            <a:xfrm flipH="1" flipV="1">
-              <a:off x="7382873" y="5430356"/>
-              <a:ext cx="3077394" cy="7347"/>
+            <a:xfrm flipH="1">
+              <a:off x="6452980" y="5759923"/>
+              <a:ext cx="2221952" cy="0"/>
             </a:xfrm>
             <a:prstGeom prst="straightConnector1">
               <a:avLst/>
@@ -12197,7 +12198,7 @@
           </p:nvSpPr>
           <p:spPr>
             <a:xfrm>
-              <a:off x="8153434" y="4824439"/>
+              <a:off x="6699287" y="5146841"/>
               <a:ext cx="1838521" cy="584775"/>
             </a:xfrm>
             <a:prstGeom prst="rect">
@@ -12217,7 +12218,7 @@
                     <a:srgbClr val="7A9866"/>
                   </a:solidFill>
                 </a:rPr>
-                <a:t>Entgegennahme anliegender Daten</a:t>
+                <a:t>Abholung anliegender Daten</a:t>
               </a:r>
             </a:p>
           </p:txBody>
@@ -12238,8 +12239,8 @@
           </p:nvCxnSpPr>
           <p:spPr>
             <a:xfrm flipH="1">
-              <a:off x="10835618" y="2740016"/>
-              <a:ext cx="1" cy="2358370"/>
+              <a:off x="9082520" y="2384909"/>
+              <a:ext cx="1" cy="3023794"/>
             </a:xfrm>
             <a:prstGeom prst="straightConnector1">
               <a:avLst/>
@@ -12285,7 +12286,7 @@
           </p:nvSpPr>
           <p:spPr>
             <a:xfrm>
-              <a:off x="10880267" y="3320840"/>
+              <a:off x="7854931" y="3365163"/>
               <a:ext cx="1170432" cy="1077218"/>
             </a:xfrm>
             <a:prstGeom prst="rect">
@@ -12310,6 +12311,256 @@
             </a:p>
           </p:txBody>
         </p:sp>
+        <p:pic>
+          <p:nvPicPr>
+            <p:cNvPr id="4" name="Grafik 3" descr="Teils sonnig">
+              <a:extLst>
+                <a:ext uri="{FF2B5EF4-FFF2-40B4-BE49-F238E27FC236}">
+                  <a16:creationId xmlns:a16="http://schemas.microsoft.com/office/drawing/2014/main" id="{9615BC58-1F88-48D8-BE0C-863FED1D7DFD}"/>
+                </a:ext>
+              </a:extLst>
+            </p:cNvPr>
+            <p:cNvPicPr>
+              <a:picLocks noChangeAspect="1"/>
+            </p:cNvPicPr>
+            <p:nvPr/>
+          </p:nvPicPr>
+          <p:blipFill>
+            <a:blip r:embed="rId2">
+              <a:extLst>
+                <a:ext uri="{28A0092B-C50C-407E-A947-70E740481C1C}">
+                  <a14:useLocalDpi xmlns:a14="http://schemas.microsoft.com/office/drawing/2010/main" val="0"/>
+                </a:ext>
+                <a:ext uri="{96DAC541-7B7A-43D3-8B79-37D633B846F1}">
+                  <asvg:svgBlip xmlns:asvg="http://schemas.microsoft.com/office/drawing/2016/SVG/main" r:embed="rId3"/>
+                </a:ext>
+              </a:extLst>
+            </a:blip>
+            <a:stretch>
+              <a:fillRect/>
+            </a:stretch>
+          </p:blipFill>
+          <p:spPr>
+            <a:xfrm>
+              <a:off x="3117879" y="5778227"/>
+              <a:ext cx="914400" cy="914400"/>
+            </a:xfrm>
+            <a:prstGeom prst="rect">
+              <a:avLst/>
+            </a:prstGeom>
+          </p:spPr>
+        </p:pic>
+        <p:sp>
+          <p:nvSpPr>
+            <p:cNvPr id="44" name="Textfeld 43">
+              <a:extLst>
+                <a:ext uri="{FF2B5EF4-FFF2-40B4-BE49-F238E27FC236}">
+                  <a16:creationId xmlns:a16="http://schemas.microsoft.com/office/drawing/2014/main" id="{9604670A-F2E0-4E26-AF3E-7ED6A6D28551}"/>
+                </a:ext>
+              </a:extLst>
+            </p:cNvPr>
+            <p:cNvSpPr txBox="1"/>
+            <p:nvPr/>
+          </p:nvSpPr>
+          <p:spPr>
+            <a:xfrm>
+              <a:off x="1355793" y="5627012"/>
+              <a:ext cx="1275129" cy="584775"/>
+            </a:xfrm>
+            <a:prstGeom prst="rect">
+              <a:avLst/>
+            </a:prstGeom>
+            <a:noFill/>
+          </p:spPr>
+          <p:txBody>
+            <a:bodyPr wrap="square" rtlCol="0">
+              <a:spAutoFit/>
+            </a:bodyPr>
+            <a:lstStyle/>
+            <a:p>
+              <a:r>
+                <a:rPr lang="de-DE" sz="1600" dirty="0">
+                  <a:solidFill>
+                    <a:srgbClr val="689AC8"/>
+                  </a:solidFill>
+                </a:rPr>
+                <a:t>FROST erhält Sensordaten</a:t>
+              </a:r>
+            </a:p>
+          </p:txBody>
+        </p:sp>
+        <p:pic>
+          <p:nvPicPr>
+            <p:cNvPr id="14" name="Grafik 13" descr="Benutzer">
+              <a:extLst>
+                <a:ext uri="{FF2B5EF4-FFF2-40B4-BE49-F238E27FC236}">
+                  <a16:creationId xmlns:a16="http://schemas.microsoft.com/office/drawing/2014/main" id="{362EB457-B148-42B8-859F-26AE64F8A4B5}"/>
+                </a:ext>
+              </a:extLst>
+            </p:cNvPr>
+            <p:cNvPicPr>
+              <a:picLocks noChangeAspect="1"/>
+            </p:cNvPicPr>
+            <p:nvPr/>
+          </p:nvPicPr>
+          <p:blipFill>
+            <a:blip r:embed="rId4">
+              <a:extLst>
+                <a:ext uri="{28A0092B-C50C-407E-A947-70E740481C1C}">
+                  <a14:useLocalDpi xmlns:a14="http://schemas.microsoft.com/office/drawing/2010/main" val="0"/>
+                </a:ext>
+                <a:ext uri="{96DAC541-7B7A-43D3-8B79-37D633B846F1}">
+                  <asvg:svgBlip xmlns:asvg="http://schemas.microsoft.com/office/drawing/2016/SVG/main" r:embed="rId5"/>
+                </a:ext>
+              </a:extLst>
+            </a:blip>
+            <a:stretch>
+              <a:fillRect/>
+            </a:stretch>
+          </p:blipFill>
+          <p:spPr>
+            <a:xfrm>
+              <a:off x="10813789" y="1700651"/>
+              <a:ext cx="683851" cy="683851"/>
+            </a:xfrm>
+            <a:prstGeom prst="rect">
+              <a:avLst/>
+            </a:prstGeom>
+          </p:spPr>
+        </p:pic>
+        <p:cxnSp>
+          <p:nvCxnSpPr>
+            <p:cNvPr id="51" name="Gerade Verbindung mit Pfeil 50">
+              <a:extLst>
+                <a:ext uri="{FF2B5EF4-FFF2-40B4-BE49-F238E27FC236}">
+                  <a16:creationId xmlns:a16="http://schemas.microsoft.com/office/drawing/2014/main" id="{863C720D-6235-4AF3-8FE8-05A77B572659}"/>
+                </a:ext>
+              </a:extLst>
+            </p:cNvPr>
+            <p:cNvCxnSpPr>
+              <a:cxnSpLocks/>
+              <a:stCxn id="14" idx="1"/>
+            </p:cNvCxnSpPr>
+            <p:nvPr/>
+          </p:nvCxnSpPr>
+          <p:spPr>
+            <a:xfrm flipH="1">
+              <a:off x="9391018" y="2042577"/>
+              <a:ext cx="1422771" cy="0"/>
+            </a:xfrm>
+            <a:prstGeom prst="straightConnector1">
+              <a:avLst/>
+            </a:prstGeom>
+            <a:ln w="50800" cap="rnd" cmpd="sng">
+              <a:solidFill>
+                <a:srgbClr val="C86F68"/>
+              </a:solidFill>
+              <a:prstDash val="sysDash"/>
+              <a:miter lim="800000"/>
+              <a:tailEnd type="stealth"/>
+            </a:ln>
+          </p:spPr>
+          <p:style>
+            <a:lnRef idx="1">
+              <a:schemeClr val="accent3"/>
+            </a:lnRef>
+            <a:fillRef idx="0">
+              <a:schemeClr val="accent3"/>
+            </a:fillRef>
+            <a:effectRef idx="0">
+              <a:schemeClr val="accent3"/>
+            </a:effectRef>
+            <a:fontRef idx="minor">
+              <a:schemeClr val="tx1"/>
+            </a:fontRef>
+          </p:style>
+        </p:cxnSp>
+        <p:sp>
+          <p:nvSpPr>
+            <p:cNvPr id="53" name="Textfeld 52">
+              <a:extLst>
+                <a:ext uri="{FF2B5EF4-FFF2-40B4-BE49-F238E27FC236}">
+                  <a16:creationId xmlns:a16="http://schemas.microsoft.com/office/drawing/2014/main" id="{9066EBC5-CD40-4C4B-BB44-D2F1AE826EFD}"/>
+                </a:ext>
+              </a:extLst>
+            </p:cNvPr>
+            <p:cNvSpPr txBox="1"/>
+            <p:nvPr/>
+          </p:nvSpPr>
+          <p:spPr>
+            <a:xfrm>
+              <a:off x="9454052" y="2136969"/>
+              <a:ext cx="1434184" cy="584775"/>
+            </a:xfrm>
+            <a:prstGeom prst="rect">
+              <a:avLst/>
+            </a:prstGeom>
+            <a:noFill/>
+          </p:spPr>
+          <p:txBody>
+            <a:bodyPr wrap="square" rtlCol="0">
+              <a:spAutoFit/>
+            </a:bodyPr>
+            <a:lstStyle/>
+            <a:p>
+              <a:r>
+                <a:rPr lang="de-DE" sz="1600" dirty="0">
+                  <a:solidFill>
+                    <a:srgbClr val="C86F68"/>
+                  </a:solidFill>
+                </a:rPr>
+                <a:t>Bedienung des Webinterfaces</a:t>
+              </a:r>
+            </a:p>
+          </p:txBody>
+        </p:sp>
+        <p:cxnSp>
+          <p:nvCxnSpPr>
+            <p:cNvPr id="18" name="Verbinder: gewinkelt 17">
+              <a:extLst>
+                <a:ext uri="{FF2B5EF4-FFF2-40B4-BE49-F238E27FC236}">
+                  <a16:creationId xmlns:a16="http://schemas.microsoft.com/office/drawing/2014/main" id="{84FC140A-2821-479E-88B5-29AAF151C5AA}"/>
+                </a:ext>
+              </a:extLst>
+            </p:cNvPr>
+            <p:cNvCxnSpPr>
+              <a:cxnSpLocks/>
+              <a:stCxn id="4" idx="1"/>
+              <a:endCxn id="40" idx="2"/>
+            </p:cNvCxnSpPr>
+            <p:nvPr/>
+          </p:nvCxnSpPr>
+          <p:spPr>
+            <a:xfrm rot="10800000">
+              <a:off x="694361" y="5493519"/>
+              <a:ext cx="2423518" cy="741908"/>
+            </a:xfrm>
+            <a:prstGeom prst="bentConnector2">
+              <a:avLst/>
+            </a:prstGeom>
+            <a:ln w="50800" cap="rnd">
+              <a:solidFill>
+                <a:srgbClr val="689AC8"/>
+              </a:solidFill>
+              <a:prstDash val="sysDash"/>
+              <a:tailEnd type="triangle"/>
+            </a:ln>
+          </p:spPr>
+          <p:style>
+            <a:lnRef idx="1">
+              <a:schemeClr val="accent1"/>
+            </a:lnRef>
+            <a:fillRef idx="0">
+              <a:schemeClr val="accent1"/>
+            </a:fillRef>
+            <a:effectRef idx="0">
+              <a:schemeClr val="accent1"/>
+            </a:effectRef>
+            <a:fontRef idx="minor">
+              <a:schemeClr val="tx1"/>
+            </a:fontRef>
+          </p:style>
+        </p:cxnSp>
       </p:grpSp>
     </p:spTree>
     <p:extLst>

--- a/05_Abschlusspräsentation/Abschlusspraesentation.pptx
+++ b/05_Abschlusspräsentation/Abschlusspraesentation.pptx
@@ -5,7 +5,7 @@
     <p:sldMasterId id="2147483648" r:id="rId1"/>
   </p:sldMasterIdLst>
   <p:notesMasterIdLst>
-    <p:notesMasterId r:id="rId9"/>
+    <p:notesMasterId r:id="rId8"/>
   </p:notesMasterIdLst>
   <p:sldIdLst>
     <p:sldId id="256" r:id="rId2"/>
@@ -13,8 +13,7 @@
     <p:sldId id="257" r:id="rId4"/>
     <p:sldId id="261" r:id="rId5"/>
     <p:sldId id="258" r:id="rId6"/>
-    <p:sldId id="259" r:id="rId7"/>
-    <p:sldId id="262" r:id="rId8"/>
+    <p:sldId id="262" r:id="rId7"/>
   </p:sldIdLst>
   <p:sldSz cx="12192000" cy="6858000"/>
   <p:notesSz cx="6858000" cy="9144000"/>
@@ -135,37 +134,7 @@
     </mc:Fallback>
   </mc:AlternateContent>
   <c:chart>
-    <c:title>
-      <c:overlay val="0"/>
-      <c:spPr>
-        <a:noFill/>
-        <a:ln>
-          <a:noFill/>
-        </a:ln>
-        <a:effectLst/>
-      </c:spPr>
-      <c:txPr>
-        <a:bodyPr rot="0" spcFirstLastPara="1" vertOverflow="ellipsis" vert="horz" wrap="square" anchor="ctr" anchorCtr="1"/>
-        <a:lstStyle/>
-        <a:p>
-          <a:pPr>
-            <a:defRPr sz="1862" b="0" i="0" u="none" strike="noStrike" kern="1200" spc="0" baseline="0">
-              <a:solidFill>
-                <a:schemeClr val="tx1">
-                  <a:lumMod val="65000"/>
-                  <a:lumOff val="35000"/>
-                </a:schemeClr>
-              </a:solidFill>
-              <a:latin typeface="+mn-lt"/>
-              <a:ea typeface="+mn-ea"/>
-              <a:cs typeface="+mn-cs"/>
-            </a:defRPr>
-          </a:pPr>
-          <a:endParaRPr lang="de-DE"/>
-        </a:p>
-      </c:txPr>
-    </c:title>
-    <c:autoTitleDeleted val="0"/>
+    <c:autoTitleDeleted val="1"/>
     <c:plotArea>
       <c:layout/>
       <c:barChart>
@@ -665,7 +634,7 @@
                   <c:v>JavaScript - Jasmine</c:v>
                 </c:pt>
                 <c:pt idx="2">
-                  <c:v>Integration-Tests</c:v>
+                  <c:v>Integrations-Tests</c:v>
                 </c:pt>
               </c:strCache>
             </c:strRef>
@@ -706,434 +675,6 @@
         <c:firstSliceAng val="0"/>
         <c:holeSize val="75"/>
       </c:doughnutChart>
-      <c:spPr>
-        <a:noFill/>
-        <a:ln>
-          <a:noFill/>
-        </a:ln>
-        <a:effectLst/>
-      </c:spPr>
-    </c:plotArea>
-    <c:legend>
-      <c:legendPos val="b"/>
-      <c:overlay val="0"/>
-      <c:spPr>
-        <a:noFill/>
-        <a:ln>
-          <a:noFill/>
-        </a:ln>
-        <a:effectLst/>
-      </c:spPr>
-      <c:txPr>
-        <a:bodyPr rot="0" spcFirstLastPara="1" vertOverflow="ellipsis" vert="horz" wrap="square" anchor="ctr" anchorCtr="1"/>
-        <a:lstStyle/>
-        <a:p>
-          <a:pPr>
-            <a:defRPr sz="1197" b="0" i="0" u="none" strike="noStrike" kern="1200" baseline="0">
-              <a:solidFill>
-                <a:schemeClr val="tx1">
-                  <a:lumMod val="65000"/>
-                  <a:lumOff val="35000"/>
-                </a:schemeClr>
-              </a:solidFill>
-              <a:latin typeface="+mn-lt"/>
-              <a:ea typeface="+mn-ea"/>
-              <a:cs typeface="+mn-cs"/>
-            </a:defRPr>
-          </a:pPr>
-          <a:endParaRPr lang="de-DE"/>
-        </a:p>
-      </c:txPr>
-    </c:legend>
-    <c:plotVisOnly val="1"/>
-    <c:dispBlanksAs val="gap"/>
-    <c:extLst>
-      <c:ext xmlns:c16r3="http://schemas.microsoft.com/office/drawing/2017/03/chart" uri="{56B9EC1D-385E-4148-901F-78D8002777C0}">
-        <c16r3:dataDisplayOptions16>
-          <c16r3:dispNaAsBlank val="1"/>
-        </c16r3:dataDisplayOptions16>
-      </c:ext>
-    </c:extLst>
-    <c:showDLblsOverMax val="0"/>
-  </c:chart>
-  <c:spPr>
-    <a:noFill/>
-    <a:ln>
-      <a:noFill/>
-    </a:ln>
-    <a:effectLst/>
-  </c:spPr>
-  <c:txPr>
-    <a:bodyPr/>
-    <a:lstStyle/>
-    <a:p>
-      <a:pPr>
-        <a:defRPr/>
-      </a:pPr>
-      <a:endParaRPr lang="de-DE"/>
-    </a:p>
-  </c:txPr>
-  <c:externalData r:id="rId3">
-    <c:autoUpdate val="0"/>
-  </c:externalData>
-</c:chartSpace>
-</file>
-
-<file path=ppt/charts/chart3.xml><?xml version="1.0" encoding="utf-8"?>
-<c:chartSpace xmlns:c="http://schemas.openxmlformats.org/drawingml/2006/chart" xmlns:a="http://schemas.openxmlformats.org/drawingml/2006/main" xmlns:r="http://schemas.openxmlformats.org/officeDocument/2006/relationships" xmlns:c16r2="http://schemas.microsoft.com/office/drawing/2015/06/chart">
-  <c:date1904 val="0"/>
-  <c:lang val="de-DE"/>
-  <c:roundedCorners val="0"/>
-  <mc:AlternateContent xmlns:mc="http://schemas.openxmlformats.org/markup-compatibility/2006">
-    <mc:Choice xmlns:c14="http://schemas.microsoft.com/office/drawing/2007/8/2/chart" Requires="c14">
-      <c14:style val="102"/>
-    </mc:Choice>
-    <mc:Fallback>
-      <c:style val="2"/>
-    </mc:Fallback>
-  </mc:AlternateContent>
-  <c:chart>
-    <c:autoTitleDeleted val="1"/>
-    <c:plotArea>
-      <c:layout/>
-      <c:scatterChart>
-        <c:scatterStyle val="lineMarker"/>
-        <c:varyColors val="0"/>
-        <c:ser>
-          <c:idx val="0"/>
-          <c:order val="0"/>
-          <c:tx>
-            <c:strRef>
-              <c:f>Tabelle1!$B$1</c:f>
-              <c:strCache>
-                <c:ptCount val="1"/>
-                <c:pt idx="0">
-                  <c:v>Code-Zeilen pro Woche</c:v>
-                </c:pt>
-              </c:strCache>
-            </c:strRef>
-          </c:tx>
-          <c:spPr>
-            <a:ln w="28575" cap="rnd">
-              <a:solidFill>
-                <a:schemeClr val="accent1"/>
-              </a:solidFill>
-              <a:round/>
-            </a:ln>
-            <a:effectLst/>
-          </c:spPr>
-          <c:marker>
-            <c:symbol val="circle"/>
-            <c:size val="5"/>
-            <c:spPr>
-              <a:solidFill>
-                <a:schemeClr val="accent1"/>
-              </a:solidFill>
-              <a:ln w="9525">
-                <a:solidFill>
-                  <a:schemeClr val="accent1"/>
-                </a:solidFill>
-              </a:ln>
-              <a:effectLst/>
-            </c:spPr>
-          </c:marker>
-          <c:xVal>
-            <c:strRef>
-              <c:f>Tabelle1!$A$2:$A$9</c:f>
-              <c:strCache>
-                <c:ptCount val="8"/>
-                <c:pt idx="0">
-                  <c:v>Woche 1</c:v>
-                </c:pt>
-                <c:pt idx="1">
-                  <c:v>Woche 2</c:v>
-                </c:pt>
-                <c:pt idx="2">
-                  <c:v>Woche 3</c:v>
-                </c:pt>
-                <c:pt idx="3">
-                  <c:v>Woche 4</c:v>
-                </c:pt>
-                <c:pt idx="4">
-                  <c:v>Woche 5</c:v>
-                </c:pt>
-                <c:pt idx="5">
-                  <c:v>Woche 6</c:v>
-                </c:pt>
-                <c:pt idx="6">
-                  <c:v>Woche 7</c:v>
-                </c:pt>
-                <c:pt idx="7">
-                  <c:v>Woche 8</c:v>
-                </c:pt>
-              </c:strCache>
-            </c:strRef>
-          </c:xVal>
-          <c:yVal>
-            <c:numRef>
-              <c:f>Tabelle1!$B$2:$B$9</c:f>
-              <c:numCache>
-                <c:formatCode>General</c:formatCode>
-                <c:ptCount val="8"/>
-                <c:pt idx="0">
-                  <c:v>710</c:v>
-                </c:pt>
-                <c:pt idx="1">
-                  <c:v>1565</c:v>
-                </c:pt>
-                <c:pt idx="2">
-                  <c:v>1360</c:v>
-                </c:pt>
-                <c:pt idx="3">
-                  <c:v>885</c:v>
-                </c:pt>
-                <c:pt idx="4">
-                  <c:v>895</c:v>
-                </c:pt>
-                <c:pt idx="5">
-                  <c:v>579</c:v>
-                </c:pt>
-                <c:pt idx="6">
-                  <c:v>300</c:v>
-                </c:pt>
-                <c:pt idx="7">
-                  <c:v>5691</c:v>
-                </c:pt>
-              </c:numCache>
-            </c:numRef>
-          </c:yVal>
-          <c:smooth val="0"/>
-          <c:extLst>
-            <c:ext xmlns:c16="http://schemas.microsoft.com/office/drawing/2014/chart" uri="{C3380CC4-5D6E-409C-BE32-E72D297353CC}">
-              <c16:uniqueId val="{00000000-C405-458C-A48F-66604F39A9FF}"/>
-            </c:ext>
-          </c:extLst>
-        </c:ser>
-        <c:dLbls>
-          <c:showLegendKey val="0"/>
-          <c:showVal val="0"/>
-          <c:showCatName val="0"/>
-          <c:showSerName val="0"/>
-          <c:showPercent val="0"/>
-          <c:showBubbleSize val="0"/>
-        </c:dLbls>
-        <c:axId val="1551876400"/>
-        <c:axId val="1497430640"/>
-      </c:scatterChart>
-      <c:valAx>
-        <c:axId val="1551876400"/>
-        <c:scaling>
-          <c:orientation val="minMax"/>
-        </c:scaling>
-        <c:delete val="0"/>
-        <c:axPos val="b"/>
-        <c:title>
-          <c:tx>
-            <c:rich>
-              <a:bodyPr rot="0" spcFirstLastPara="1" vertOverflow="ellipsis" vert="horz" wrap="square" anchor="ctr" anchorCtr="1"/>
-              <a:lstStyle/>
-              <a:p>
-                <a:pPr>
-                  <a:defRPr sz="1330" b="0" i="0" u="none" strike="noStrike" kern="1200" baseline="0">
-                    <a:solidFill>
-                      <a:schemeClr val="tx1">
-                        <a:lumMod val="65000"/>
-                        <a:lumOff val="35000"/>
-                      </a:schemeClr>
-                    </a:solidFill>
-                    <a:latin typeface="+mn-lt"/>
-                    <a:ea typeface="+mn-ea"/>
-                    <a:cs typeface="+mn-cs"/>
-                  </a:defRPr>
-                </a:pPr>
-                <a:r>
-                  <a:rPr lang="de-DE" dirty="0"/>
-                  <a:t>Woche</a:t>
-                </a:r>
-              </a:p>
-            </c:rich>
-          </c:tx>
-          <c:overlay val="0"/>
-          <c:spPr>
-            <a:noFill/>
-            <a:ln>
-              <a:noFill/>
-            </a:ln>
-            <a:effectLst/>
-          </c:spPr>
-          <c:txPr>
-            <a:bodyPr rot="0" spcFirstLastPara="1" vertOverflow="ellipsis" vert="horz" wrap="square" anchor="ctr" anchorCtr="1"/>
-            <a:lstStyle/>
-            <a:p>
-              <a:pPr>
-                <a:defRPr sz="1330" b="0" i="0" u="none" strike="noStrike" kern="1200" baseline="0">
-                  <a:solidFill>
-                    <a:schemeClr val="tx1">
-                      <a:lumMod val="65000"/>
-                      <a:lumOff val="35000"/>
-                    </a:schemeClr>
-                  </a:solidFill>
-                  <a:latin typeface="+mn-lt"/>
-                  <a:ea typeface="+mn-ea"/>
-                  <a:cs typeface="+mn-cs"/>
-                </a:defRPr>
-              </a:pPr>
-              <a:endParaRPr lang="de-DE"/>
-            </a:p>
-          </c:txPr>
-        </c:title>
-        <c:numFmt formatCode="General" sourceLinked="1"/>
-        <c:majorTickMark val="none"/>
-        <c:minorTickMark val="none"/>
-        <c:tickLblPos val="nextTo"/>
-        <c:spPr>
-          <a:noFill/>
-          <a:ln w="9525" cap="flat" cmpd="sng" algn="ctr">
-            <a:solidFill>
-              <a:schemeClr val="tx1">
-                <a:lumMod val="15000"/>
-                <a:lumOff val="85000"/>
-              </a:schemeClr>
-            </a:solidFill>
-            <a:round/>
-          </a:ln>
-          <a:effectLst/>
-        </c:spPr>
-        <c:txPr>
-          <a:bodyPr rot="-60000000" spcFirstLastPara="1" vertOverflow="ellipsis" vert="horz" wrap="square" anchor="ctr" anchorCtr="1"/>
-          <a:lstStyle/>
-          <a:p>
-            <a:pPr>
-              <a:defRPr sz="1197" b="0" i="0" u="none" strike="noStrike" kern="1200" baseline="0">
-                <a:solidFill>
-                  <a:schemeClr val="tx1">
-                    <a:lumMod val="65000"/>
-                    <a:lumOff val="35000"/>
-                  </a:schemeClr>
-                </a:solidFill>
-                <a:latin typeface="+mn-lt"/>
-                <a:ea typeface="+mn-ea"/>
-                <a:cs typeface="+mn-cs"/>
-              </a:defRPr>
-            </a:pPr>
-            <a:endParaRPr lang="de-DE"/>
-          </a:p>
-        </c:txPr>
-        <c:crossAx val="1497430640"/>
-        <c:crosses val="autoZero"/>
-        <c:crossBetween val="midCat"/>
-      </c:valAx>
-      <c:valAx>
-        <c:axId val="1497430640"/>
-        <c:scaling>
-          <c:orientation val="minMax"/>
-        </c:scaling>
-        <c:delete val="0"/>
-        <c:axPos val="l"/>
-        <c:majorGridlines>
-          <c:spPr>
-            <a:ln w="9525" cap="flat" cmpd="sng" algn="ctr">
-              <a:solidFill>
-                <a:schemeClr val="tx1">
-                  <a:lumMod val="15000"/>
-                  <a:lumOff val="85000"/>
-                </a:schemeClr>
-              </a:solidFill>
-              <a:round/>
-            </a:ln>
-            <a:effectLst/>
-          </c:spPr>
-        </c:majorGridlines>
-        <c:title>
-          <c:tx>
-            <c:rich>
-              <a:bodyPr rot="-5400000" spcFirstLastPara="1" vertOverflow="ellipsis" vert="horz" wrap="square" anchor="ctr" anchorCtr="1"/>
-              <a:lstStyle/>
-              <a:p>
-                <a:pPr>
-                  <a:defRPr sz="1330" b="0" i="0" u="none" strike="noStrike" kern="1200" baseline="0">
-                    <a:solidFill>
-                      <a:schemeClr val="tx1">
-                        <a:lumMod val="65000"/>
-                        <a:lumOff val="35000"/>
-                      </a:schemeClr>
-                    </a:solidFill>
-                    <a:latin typeface="+mn-lt"/>
-                    <a:ea typeface="+mn-ea"/>
-                    <a:cs typeface="+mn-cs"/>
-                  </a:defRPr>
-                </a:pPr>
-                <a:r>
-                  <a:rPr lang="de-DE" dirty="0"/>
-                  <a:t>Code-Zeilen</a:t>
-                </a:r>
-              </a:p>
-            </c:rich>
-          </c:tx>
-          <c:overlay val="0"/>
-          <c:spPr>
-            <a:noFill/>
-            <a:ln>
-              <a:noFill/>
-            </a:ln>
-            <a:effectLst/>
-          </c:spPr>
-          <c:txPr>
-            <a:bodyPr rot="-5400000" spcFirstLastPara="1" vertOverflow="ellipsis" vert="horz" wrap="square" anchor="ctr" anchorCtr="1"/>
-            <a:lstStyle/>
-            <a:p>
-              <a:pPr>
-                <a:defRPr sz="1330" b="0" i="0" u="none" strike="noStrike" kern="1200" baseline="0">
-                  <a:solidFill>
-                    <a:schemeClr val="tx1">
-                      <a:lumMod val="65000"/>
-                      <a:lumOff val="35000"/>
-                    </a:schemeClr>
-                  </a:solidFill>
-                  <a:latin typeface="+mn-lt"/>
-                  <a:ea typeface="+mn-ea"/>
-                  <a:cs typeface="+mn-cs"/>
-                </a:defRPr>
-              </a:pPr>
-              <a:endParaRPr lang="de-DE"/>
-            </a:p>
-          </c:txPr>
-        </c:title>
-        <c:numFmt formatCode="General" sourceLinked="1"/>
-        <c:majorTickMark val="none"/>
-        <c:minorTickMark val="none"/>
-        <c:tickLblPos val="nextTo"/>
-        <c:spPr>
-          <a:noFill/>
-          <a:ln>
-            <a:noFill/>
-          </a:ln>
-          <a:effectLst/>
-        </c:spPr>
-        <c:txPr>
-          <a:bodyPr rot="-60000000" spcFirstLastPara="1" vertOverflow="ellipsis" vert="horz" wrap="square" anchor="ctr" anchorCtr="1"/>
-          <a:lstStyle/>
-          <a:p>
-            <a:pPr>
-              <a:defRPr sz="1197" b="0" i="0" u="none" strike="noStrike" kern="1200" baseline="0">
-                <a:solidFill>
-                  <a:schemeClr val="tx1">
-                    <a:lumMod val="65000"/>
-                    <a:lumOff val="35000"/>
-                  </a:schemeClr>
-                </a:solidFill>
-                <a:latin typeface="+mn-lt"/>
-                <a:ea typeface="+mn-ea"/>
-                <a:cs typeface="+mn-cs"/>
-              </a:defRPr>
-            </a:pPr>
-            <a:endParaRPr lang="de-DE"/>
-          </a:p>
-        </c:txPr>
-        <c:crossAx val="1551876400"/>
-        <c:crosses val="autoZero"/>
-        <c:crossBetween val="midCat"/>
-      </c:valAx>
       <c:spPr>
         <a:noFill/>
         <a:ln>
@@ -1362,46 +903,6 @@
   <a:schemeClr val="accent1"/>
   <a:schemeClr val="accent3"/>
   <a:schemeClr val="accent5"/>
-  <cs:variation/>
-  <cs:variation>
-    <a:lumMod val="60000"/>
-  </cs:variation>
-  <cs:variation>
-    <a:lumMod val="80000"/>
-    <a:lumOff val="20000"/>
-  </cs:variation>
-  <cs:variation>
-    <a:lumMod val="80000"/>
-  </cs:variation>
-  <cs:variation>
-    <a:lumMod val="60000"/>
-    <a:lumOff val="40000"/>
-  </cs:variation>
-  <cs:variation>
-    <a:lumMod val="50000"/>
-  </cs:variation>
-  <cs:variation>
-    <a:lumMod val="70000"/>
-    <a:lumOff val="30000"/>
-  </cs:variation>
-  <cs:variation>
-    <a:lumMod val="70000"/>
-  </cs:variation>
-  <cs:variation>
-    <a:lumMod val="50000"/>
-    <a:lumOff val="50000"/>
-  </cs:variation>
-</cs:colorStyle>
-</file>
-
-<file path=ppt/charts/colors4.xml><?xml version="1.0" encoding="utf-8"?>
-<cs:colorStyle xmlns:cs="http://schemas.microsoft.com/office/drawing/2012/chartStyle" xmlns:a="http://schemas.openxmlformats.org/drawingml/2006/main" meth="cycle" id="10">
-  <a:schemeClr val="accent1"/>
-  <a:schemeClr val="accent2"/>
-  <a:schemeClr val="accent3"/>
-  <a:schemeClr val="accent4"/>
-  <a:schemeClr val="accent5"/>
-  <a:schemeClr val="accent6"/>
   <cs:variation/>
   <cs:variation>
     <a:lumMod val="60000"/>
@@ -2966,509 +2467,6 @@
 </cs:chartStyle>
 </file>
 
-<file path=ppt/charts/style4.xml><?xml version="1.0" encoding="utf-8"?>
-<cs:chartStyle xmlns:cs="http://schemas.microsoft.com/office/drawing/2012/chartStyle" xmlns:a="http://schemas.openxmlformats.org/drawingml/2006/main" id="201">
-  <cs:axisTitle>
-    <cs:lnRef idx="0"/>
-    <cs:fillRef idx="0"/>
-    <cs:effectRef idx="0"/>
-    <cs:fontRef idx="minor">
-      <a:schemeClr val="tx1">
-        <a:lumMod val="65000"/>
-        <a:lumOff val="35000"/>
-      </a:schemeClr>
-    </cs:fontRef>
-    <cs:defRPr sz="1330" kern="1200"/>
-  </cs:axisTitle>
-  <cs:categoryAxis>
-    <cs:lnRef idx="0"/>
-    <cs:fillRef idx="0"/>
-    <cs:effectRef idx="0"/>
-    <cs:fontRef idx="minor">
-      <a:schemeClr val="tx1">
-        <a:lumMod val="65000"/>
-        <a:lumOff val="35000"/>
-      </a:schemeClr>
-    </cs:fontRef>
-    <cs:spPr>
-      <a:ln w="9525" cap="flat" cmpd="sng" algn="ctr">
-        <a:solidFill>
-          <a:schemeClr val="tx1">
-            <a:lumMod val="15000"/>
-            <a:lumOff val="85000"/>
-          </a:schemeClr>
-        </a:solidFill>
-        <a:round/>
-      </a:ln>
-    </cs:spPr>
-    <cs:defRPr sz="1197" kern="1200"/>
-  </cs:categoryAxis>
-  <cs:chartArea mods="allowNoFillOverride allowNoLineOverride">
-    <cs:lnRef idx="0"/>
-    <cs:fillRef idx="0"/>
-    <cs:effectRef idx="0"/>
-    <cs:fontRef idx="minor">
-      <a:schemeClr val="tx1"/>
-    </cs:fontRef>
-    <cs:spPr>
-      <a:solidFill>
-        <a:schemeClr val="bg1"/>
-      </a:solidFill>
-      <a:ln w="9525" cap="flat" cmpd="sng" algn="ctr">
-        <a:solidFill>
-          <a:schemeClr val="tx1">
-            <a:lumMod val="15000"/>
-            <a:lumOff val="85000"/>
-          </a:schemeClr>
-        </a:solidFill>
-        <a:round/>
-      </a:ln>
-    </cs:spPr>
-    <cs:defRPr sz="1330" kern="1200"/>
-  </cs:chartArea>
-  <cs:dataLabel>
-    <cs:lnRef idx="0"/>
-    <cs:fillRef idx="0"/>
-    <cs:effectRef idx="0"/>
-    <cs:fontRef idx="minor">
-      <a:schemeClr val="tx1">
-        <a:lumMod val="75000"/>
-        <a:lumOff val="25000"/>
-      </a:schemeClr>
-    </cs:fontRef>
-    <cs:defRPr sz="1197" kern="1200"/>
-  </cs:dataLabel>
-  <cs:dataLabelCallout>
-    <cs:lnRef idx="0"/>
-    <cs:fillRef idx="0"/>
-    <cs:effectRef idx="0"/>
-    <cs:fontRef idx="minor">
-      <a:schemeClr val="dk1">
-        <a:lumMod val="65000"/>
-        <a:lumOff val="35000"/>
-      </a:schemeClr>
-    </cs:fontRef>
-    <cs:spPr>
-      <a:solidFill>
-        <a:schemeClr val="lt1"/>
-      </a:solidFill>
-      <a:ln>
-        <a:solidFill>
-          <a:schemeClr val="dk1">
-            <a:lumMod val="25000"/>
-            <a:lumOff val="75000"/>
-          </a:schemeClr>
-        </a:solidFill>
-      </a:ln>
-    </cs:spPr>
-    <cs:defRPr sz="1197" kern="1200"/>
-    <cs:bodyPr rot="0" spcFirstLastPara="1" vertOverflow="clip" horzOverflow="clip" vert="horz" wrap="square" lIns="36576" tIns="18288" rIns="36576" bIns="18288" anchor="ctr" anchorCtr="1">
-      <a:spAutoFit/>
-    </cs:bodyPr>
-  </cs:dataLabelCallout>
-  <cs:dataPoint>
-    <cs:lnRef idx="0"/>
-    <cs:fillRef idx="1">
-      <cs:styleClr val="auto"/>
-    </cs:fillRef>
-    <cs:effectRef idx="0"/>
-    <cs:fontRef idx="minor">
-      <a:schemeClr val="tx1"/>
-    </cs:fontRef>
-  </cs:dataPoint>
-  <cs:dataPoint3D>
-    <cs:lnRef idx="0"/>
-    <cs:fillRef idx="1">
-      <cs:styleClr val="auto"/>
-    </cs:fillRef>
-    <cs:effectRef idx="0"/>
-    <cs:fontRef idx="minor">
-      <a:schemeClr val="tx1"/>
-    </cs:fontRef>
-  </cs:dataPoint3D>
-  <cs:dataPointLine>
-    <cs:lnRef idx="0">
-      <cs:styleClr val="auto"/>
-    </cs:lnRef>
-    <cs:fillRef idx="1"/>
-    <cs:effectRef idx="0"/>
-    <cs:fontRef idx="minor">
-      <a:schemeClr val="tx1"/>
-    </cs:fontRef>
-    <cs:spPr>
-      <a:ln w="28575" cap="rnd">
-        <a:solidFill>
-          <a:schemeClr val="phClr"/>
-        </a:solidFill>
-        <a:round/>
-      </a:ln>
-    </cs:spPr>
-  </cs:dataPointLine>
-  <cs:dataPointMarker>
-    <cs:lnRef idx="0">
-      <cs:styleClr val="auto"/>
-    </cs:lnRef>
-    <cs:fillRef idx="1">
-      <cs:styleClr val="auto"/>
-    </cs:fillRef>
-    <cs:effectRef idx="0"/>
-    <cs:fontRef idx="minor">
-      <a:schemeClr val="tx1"/>
-    </cs:fontRef>
-    <cs:spPr>
-      <a:ln w="9525">
-        <a:solidFill>
-          <a:schemeClr val="phClr"/>
-        </a:solidFill>
-      </a:ln>
-    </cs:spPr>
-  </cs:dataPointMarker>
-  <cs:dataPointMarkerLayout symbol="circle" size="5"/>
-  <cs:dataPointWireframe>
-    <cs:lnRef idx="0">
-      <cs:styleClr val="auto"/>
-    </cs:lnRef>
-    <cs:fillRef idx="1"/>
-    <cs:effectRef idx="0"/>
-    <cs:fontRef idx="minor">
-      <a:schemeClr val="tx1"/>
-    </cs:fontRef>
-    <cs:spPr>
-      <a:ln w="9525" cap="rnd">
-        <a:solidFill>
-          <a:schemeClr val="phClr"/>
-        </a:solidFill>
-        <a:round/>
-      </a:ln>
-    </cs:spPr>
-  </cs:dataPointWireframe>
-  <cs:dataTable>
-    <cs:lnRef idx="0"/>
-    <cs:fillRef idx="0"/>
-    <cs:effectRef idx="0"/>
-    <cs:fontRef idx="minor">
-      <a:schemeClr val="tx1">
-        <a:lumMod val="65000"/>
-        <a:lumOff val="35000"/>
-      </a:schemeClr>
-    </cs:fontRef>
-    <cs:spPr>
-      <a:noFill/>
-      <a:ln w="9525" cap="flat" cmpd="sng" algn="ctr">
-        <a:solidFill>
-          <a:schemeClr val="tx1">
-            <a:lumMod val="15000"/>
-            <a:lumOff val="85000"/>
-          </a:schemeClr>
-        </a:solidFill>
-        <a:round/>
-      </a:ln>
-    </cs:spPr>
-    <cs:defRPr sz="1197" kern="1200"/>
-  </cs:dataTable>
-  <cs:downBar>
-    <cs:lnRef idx="0"/>
-    <cs:fillRef idx="0"/>
-    <cs:effectRef idx="0"/>
-    <cs:fontRef idx="minor">
-      <a:schemeClr val="dk1"/>
-    </cs:fontRef>
-    <cs:spPr>
-      <a:solidFill>
-        <a:schemeClr val="dk1">
-          <a:lumMod val="65000"/>
-          <a:lumOff val="35000"/>
-        </a:schemeClr>
-      </a:solidFill>
-      <a:ln w="9525">
-        <a:solidFill>
-          <a:schemeClr val="tx1">
-            <a:lumMod val="65000"/>
-            <a:lumOff val="35000"/>
-          </a:schemeClr>
-        </a:solidFill>
-      </a:ln>
-    </cs:spPr>
-  </cs:downBar>
-  <cs:dropLine>
-    <cs:lnRef idx="0"/>
-    <cs:fillRef idx="0"/>
-    <cs:effectRef idx="0"/>
-    <cs:fontRef idx="minor">
-      <a:schemeClr val="tx1"/>
-    </cs:fontRef>
-    <cs:spPr>
-      <a:ln w="9525" cap="flat" cmpd="sng" algn="ctr">
-        <a:solidFill>
-          <a:schemeClr val="tx1">
-            <a:lumMod val="35000"/>
-            <a:lumOff val="65000"/>
-          </a:schemeClr>
-        </a:solidFill>
-        <a:round/>
-      </a:ln>
-    </cs:spPr>
-  </cs:dropLine>
-  <cs:errorBar>
-    <cs:lnRef idx="0"/>
-    <cs:fillRef idx="0"/>
-    <cs:effectRef idx="0"/>
-    <cs:fontRef idx="minor">
-      <a:schemeClr val="tx1"/>
-    </cs:fontRef>
-    <cs:spPr>
-      <a:ln w="9525" cap="flat" cmpd="sng" algn="ctr">
-        <a:solidFill>
-          <a:schemeClr val="tx1">
-            <a:lumMod val="65000"/>
-            <a:lumOff val="35000"/>
-          </a:schemeClr>
-        </a:solidFill>
-        <a:round/>
-      </a:ln>
-    </cs:spPr>
-  </cs:errorBar>
-  <cs:floor>
-    <cs:lnRef idx="0"/>
-    <cs:fillRef idx="0"/>
-    <cs:effectRef idx="0"/>
-    <cs:fontRef idx="minor">
-      <a:schemeClr val="tx1"/>
-    </cs:fontRef>
-    <cs:spPr>
-      <a:noFill/>
-      <a:ln>
-        <a:noFill/>
-      </a:ln>
-    </cs:spPr>
-  </cs:floor>
-  <cs:gridlineMajor>
-    <cs:lnRef idx="0"/>
-    <cs:fillRef idx="0"/>
-    <cs:effectRef idx="0"/>
-    <cs:fontRef idx="minor">
-      <a:schemeClr val="tx1"/>
-    </cs:fontRef>
-    <cs:spPr>
-      <a:ln w="9525" cap="flat" cmpd="sng" algn="ctr">
-        <a:solidFill>
-          <a:schemeClr val="tx1">
-            <a:lumMod val="15000"/>
-            <a:lumOff val="85000"/>
-          </a:schemeClr>
-        </a:solidFill>
-        <a:round/>
-      </a:ln>
-    </cs:spPr>
-  </cs:gridlineMajor>
-  <cs:gridlineMinor>
-    <cs:lnRef idx="0"/>
-    <cs:fillRef idx="0"/>
-    <cs:effectRef idx="0"/>
-    <cs:fontRef idx="minor">
-      <a:schemeClr val="tx1"/>
-    </cs:fontRef>
-    <cs:spPr>
-      <a:ln w="9525" cap="flat" cmpd="sng" algn="ctr">
-        <a:solidFill>
-          <a:schemeClr val="tx1">
-            <a:lumMod val="5000"/>
-            <a:lumOff val="95000"/>
-          </a:schemeClr>
-        </a:solidFill>
-        <a:round/>
-      </a:ln>
-    </cs:spPr>
-  </cs:gridlineMinor>
-  <cs:hiLoLine>
-    <cs:lnRef idx="0"/>
-    <cs:fillRef idx="0"/>
-    <cs:effectRef idx="0"/>
-    <cs:fontRef idx="minor">
-      <a:schemeClr val="tx1"/>
-    </cs:fontRef>
-    <cs:spPr>
-      <a:ln w="9525" cap="flat" cmpd="sng" algn="ctr">
-        <a:solidFill>
-          <a:schemeClr val="tx1">
-            <a:lumMod val="75000"/>
-            <a:lumOff val="25000"/>
-          </a:schemeClr>
-        </a:solidFill>
-        <a:round/>
-      </a:ln>
-    </cs:spPr>
-  </cs:hiLoLine>
-  <cs:leaderLine>
-    <cs:lnRef idx="0"/>
-    <cs:fillRef idx="0"/>
-    <cs:effectRef idx="0"/>
-    <cs:fontRef idx="minor">
-      <a:schemeClr val="tx1"/>
-    </cs:fontRef>
-    <cs:spPr>
-      <a:ln w="9525" cap="flat" cmpd="sng" algn="ctr">
-        <a:solidFill>
-          <a:schemeClr val="tx1">
-            <a:lumMod val="35000"/>
-            <a:lumOff val="65000"/>
-          </a:schemeClr>
-        </a:solidFill>
-        <a:round/>
-      </a:ln>
-    </cs:spPr>
-  </cs:leaderLine>
-  <cs:legend>
-    <cs:lnRef idx="0"/>
-    <cs:fillRef idx="0"/>
-    <cs:effectRef idx="0"/>
-    <cs:fontRef idx="minor">
-      <a:schemeClr val="tx1">
-        <a:lumMod val="65000"/>
-        <a:lumOff val="35000"/>
-      </a:schemeClr>
-    </cs:fontRef>
-    <cs:defRPr sz="1197" kern="1200"/>
-  </cs:legend>
-  <cs:plotArea mods="allowNoFillOverride allowNoLineOverride">
-    <cs:lnRef idx="0"/>
-    <cs:fillRef idx="0"/>
-    <cs:effectRef idx="0"/>
-    <cs:fontRef idx="minor">
-      <a:schemeClr val="tx1"/>
-    </cs:fontRef>
-  </cs:plotArea>
-  <cs:plotArea3D mods="allowNoFillOverride allowNoLineOverride">
-    <cs:lnRef idx="0"/>
-    <cs:fillRef idx="0"/>
-    <cs:effectRef idx="0"/>
-    <cs:fontRef idx="minor">
-      <a:schemeClr val="tx1"/>
-    </cs:fontRef>
-  </cs:plotArea3D>
-  <cs:seriesAxis>
-    <cs:lnRef idx="0"/>
-    <cs:fillRef idx="0"/>
-    <cs:effectRef idx="0"/>
-    <cs:fontRef idx="minor">
-      <a:schemeClr val="tx1">
-        <a:lumMod val="65000"/>
-        <a:lumOff val="35000"/>
-      </a:schemeClr>
-    </cs:fontRef>
-    <cs:defRPr sz="1197" kern="1200"/>
-  </cs:seriesAxis>
-  <cs:seriesLine>
-    <cs:lnRef idx="0"/>
-    <cs:fillRef idx="0"/>
-    <cs:effectRef idx="0"/>
-    <cs:fontRef idx="minor">
-      <a:schemeClr val="tx1"/>
-    </cs:fontRef>
-    <cs:spPr>
-      <a:ln w="9525" cap="flat" cmpd="sng" algn="ctr">
-        <a:solidFill>
-          <a:schemeClr val="tx1">
-            <a:lumMod val="35000"/>
-            <a:lumOff val="65000"/>
-          </a:schemeClr>
-        </a:solidFill>
-        <a:round/>
-      </a:ln>
-    </cs:spPr>
-  </cs:seriesLine>
-  <cs:title>
-    <cs:lnRef idx="0"/>
-    <cs:fillRef idx="0"/>
-    <cs:effectRef idx="0"/>
-    <cs:fontRef idx="minor">
-      <a:schemeClr val="tx1">
-        <a:lumMod val="65000"/>
-        <a:lumOff val="35000"/>
-      </a:schemeClr>
-    </cs:fontRef>
-    <cs:defRPr sz="1862" b="0" kern="1200" spc="0" baseline="0"/>
-  </cs:title>
-  <cs:trendline>
-    <cs:lnRef idx="0">
-      <cs:styleClr val="auto"/>
-    </cs:lnRef>
-    <cs:fillRef idx="0"/>
-    <cs:effectRef idx="0"/>
-    <cs:fontRef idx="minor">
-      <a:schemeClr val="tx1"/>
-    </cs:fontRef>
-    <cs:spPr>
-      <a:ln w="19050" cap="rnd">
-        <a:solidFill>
-          <a:schemeClr val="phClr"/>
-        </a:solidFill>
-        <a:prstDash val="sysDot"/>
-      </a:ln>
-    </cs:spPr>
-  </cs:trendline>
-  <cs:trendlineLabel>
-    <cs:lnRef idx="0"/>
-    <cs:fillRef idx="0"/>
-    <cs:effectRef idx="0"/>
-    <cs:fontRef idx="minor">
-      <a:schemeClr val="tx1">
-        <a:lumMod val="65000"/>
-        <a:lumOff val="35000"/>
-      </a:schemeClr>
-    </cs:fontRef>
-    <cs:defRPr sz="1197" kern="1200"/>
-  </cs:trendlineLabel>
-  <cs:upBar>
-    <cs:lnRef idx="0"/>
-    <cs:fillRef idx="0"/>
-    <cs:effectRef idx="0"/>
-    <cs:fontRef idx="minor">
-      <a:schemeClr val="dk1"/>
-    </cs:fontRef>
-    <cs:spPr>
-      <a:solidFill>
-        <a:schemeClr val="lt1"/>
-      </a:solidFill>
-      <a:ln w="9525">
-        <a:solidFill>
-          <a:schemeClr val="tx1">
-            <a:lumMod val="15000"/>
-            <a:lumOff val="85000"/>
-          </a:schemeClr>
-        </a:solidFill>
-      </a:ln>
-    </cs:spPr>
-  </cs:upBar>
-  <cs:valueAxis>
-    <cs:lnRef idx="0"/>
-    <cs:fillRef idx="0"/>
-    <cs:effectRef idx="0"/>
-    <cs:fontRef idx="minor">
-      <a:schemeClr val="tx1">
-        <a:lumMod val="65000"/>
-        <a:lumOff val="35000"/>
-      </a:schemeClr>
-    </cs:fontRef>
-    <cs:defRPr sz="1197" kern="1200"/>
-  </cs:valueAxis>
-  <cs:wall>
-    <cs:lnRef idx="0"/>
-    <cs:fillRef idx="0"/>
-    <cs:effectRef idx="0"/>
-    <cs:fontRef idx="minor">
-      <a:schemeClr val="tx1"/>
-    </cs:fontRef>
-    <cs:spPr>
-      <a:noFill/>
-      <a:ln>
-        <a:noFill/>
-      </a:ln>
-    </cs:spPr>
-  </cs:wall>
-</cs:chartStyle>
-</file>
-
 <file path=ppt/notesMasters/notesMaster1.xml><?xml version="1.0" encoding="utf-8"?>
 <p:notesMaster xmlns:a="http://schemas.openxmlformats.org/drawingml/2006/main" xmlns:r="http://schemas.openxmlformats.org/officeDocument/2006/relationships" xmlns:p="http://schemas.openxmlformats.org/presentationml/2006/main">
   <p:cSld>
@@ -12639,7 +11637,7 @@
             <p:ph sz="half" idx="2"/>
             <p:extLst>
               <p:ext uri="{D42A27DB-BD31-4B8C-83A1-F6EECF244321}">
-                <p14:modId xmlns:p14="http://schemas.microsoft.com/office/powerpoint/2010/main" val="2047288932"/>
+                <p14:modId xmlns:p14="http://schemas.microsoft.com/office/powerpoint/2010/main" val="2450776573"/>
               </p:ext>
             </p:extLst>
           </p:nvPr>
@@ -12829,95 +11827,6 @@
 </file>
 
 <file path=ppt/slides/slide6.xml><?xml version="1.0" encoding="utf-8"?>
-<p:sld xmlns:a="http://schemas.openxmlformats.org/drawingml/2006/main" xmlns:r="http://schemas.openxmlformats.org/officeDocument/2006/relationships" xmlns:p="http://schemas.openxmlformats.org/presentationml/2006/main">
-  <p:cSld>
-    <p:spTree>
-      <p:nvGrpSpPr>
-        <p:cNvPr id="1" name=""/>
-        <p:cNvGrpSpPr/>
-        <p:nvPr/>
-      </p:nvGrpSpPr>
-      <p:grpSpPr>
-        <a:xfrm>
-          <a:off x="0" y="0"/>
-          <a:ext cx="0" cy="0"/>
-          <a:chOff x="0" y="0"/>
-          <a:chExt cx="0" cy="0"/>
-        </a:xfrm>
-      </p:grpSpPr>
-      <p:sp>
-        <p:nvSpPr>
-          <p:cNvPr id="2" name="Titel 1">
-            <a:extLst>
-              <a:ext uri="{FF2B5EF4-FFF2-40B4-BE49-F238E27FC236}">
-                <a16:creationId xmlns:a16="http://schemas.microsoft.com/office/drawing/2014/main" id="{21EFD447-2685-4657-91A0-7EA7E0C77AE8}"/>
-              </a:ext>
-            </a:extLst>
-          </p:cNvPr>
-          <p:cNvSpPr>
-            <a:spLocks noGrp="1"/>
-          </p:cNvSpPr>
-          <p:nvPr>
-            <p:ph type="title"/>
-          </p:nvPr>
-        </p:nvSpPr>
-        <p:spPr/>
-        <p:txBody>
-          <a:bodyPr/>
-          <a:lstStyle/>
-          <a:p>
-            <a:r>
-              <a:rPr lang="de-DE" dirty="0"/>
-              <a:t>Wachstum während der Implementierung</a:t>
-            </a:r>
-          </a:p>
-        </p:txBody>
-      </p:sp>
-      <p:graphicFrame>
-        <p:nvGraphicFramePr>
-          <p:cNvPr id="6" name="Inhaltsplatzhalter 5">
-            <a:extLst>
-              <a:ext uri="{FF2B5EF4-FFF2-40B4-BE49-F238E27FC236}">
-                <a16:creationId xmlns:a16="http://schemas.microsoft.com/office/drawing/2014/main" id="{65A0F0B0-9E28-4305-9B50-F6644C672A60}"/>
-              </a:ext>
-            </a:extLst>
-          </p:cNvPr>
-          <p:cNvGraphicFramePr>
-            <a:graphicFrameLocks noGrp="1"/>
-          </p:cNvGraphicFramePr>
-          <p:nvPr>
-            <p:ph idx="1"/>
-            <p:extLst>
-              <p:ext uri="{D42A27DB-BD31-4B8C-83A1-F6EECF244321}">
-                <p14:modId xmlns:p14="http://schemas.microsoft.com/office/powerpoint/2010/main" val="3575323511"/>
-              </p:ext>
-            </p:extLst>
-          </p:nvPr>
-        </p:nvGraphicFramePr>
-        <p:xfrm>
-          <a:off x="838200" y="1211263"/>
-          <a:ext cx="10515600" cy="4965700"/>
-        </p:xfrm>
-        <a:graphic>
-          <a:graphicData uri="http://schemas.openxmlformats.org/drawingml/2006/chart">
-            <c:chart xmlns:c="http://schemas.openxmlformats.org/drawingml/2006/chart" xmlns:r="http://schemas.openxmlformats.org/officeDocument/2006/relationships" r:id="rId2"/>
-          </a:graphicData>
-        </a:graphic>
-      </p:graphicFrame>
-    </p:spTree>
-    <p:extLst>
-      <p:ext uri="{BB962C8B-B14F-4D97-AF65-F5344CB8AC3E}">
-        <p14:creationId xmlns:p14="http://schemas.microsoft.com/office/powerpoint/2010/main" val="2395862300"/>
-      </p:ext>
-    </p:extLst>
-  </p:cSld>
-  <p:clrMapOvr>
-    <a:masterClrMapping/>
-  </p:clrMapOvr>
-</p:sld>
-</file>
-
-<file path=ppt/slides/slide7.xml><?xml version="1.0" encoding="utf-8"?>
 <p:sld xmlns:a="http://schemas.openxmlformats.org/drawingml/2006/main" xmlns:r="http://schemas.openxmlformats.org/officeDocument/2006/relationships" xmlns:p="http://schemas.openxmlformats.org/presentationml/2006/main">
   <p:cSld>
     <p:spTree>

--- a/05_Abschlusspräsentation/Abschlusspraesentation.pptx
+++ b/05_Abschlusspräsentation/Abschlusspraesentation.pptx
@@ -5,7 +5,7 @@
     <p:sldMasterId id="2147483648" r:id="rId1"/>
   </p:sldMasterIdLst>
   <p:notesMasterIdLst>
-    <p:notesMasterId r:id="rId8"/>
+    <p:notesMasterId r:id="rId9"/>
   </p:notesMasterIdLst>
   <p:sldIdLst>
     <p:sldId id="256" r:id="rId2"/>
@@ -13,7 +13,8 @@
     <p:sldId id="257" r:id="rId4"/>
     <p:sldId id="261" r:id="rId5"/>
     <p:sldId id="258" r:id="rId6"/>
-    <p:sldId id="262" r:id="rId7"/>
+    <p:sldId id="263" r:id="rId7"/>
+    <p:sldId id="262" r:id="rId8"/>
   </p:sldIdLst>
   <p:sldSz cx="12192000" cy="6858000"/>
   <p:notesSz cx="6858000" cy="9144000"/>
@@ -11845,6 +11846,172 @@
       </p:grpSpPr>
       <p:sp>
         <p:nvSpPr>
+          <p:cNvPr id="8" name="Freihandform: Form 7">
+            <a:extLst>
+              <a:ext uri="{FF2B5EF4-FFF2-40B4-BE49-F238E27FC236}">
+                <a16:creationId xmlns:a16="http://schemas.microsoft.com/office/drawing/2014/main" id="{50DC63B7-C0A1-487E-85EC-DBAC6910BA0A}"/>
+              </a:ext>
+            </a:extLst>
+          </p:cNvPr>
+          <p:cNvSpPr/>
+          <p:nvPr/>
+        </p:nvSpPr>
+        <p:spPr>
+          <a:xfrm>
+            <a:off x="5406501" y="2739501"/>
+            <a:ext cx="1378998" cy="1378998"/>
+          </a:xfrm>
+          <a:custGeom>
+            <a:avLst/>
+            <a:gdLst>
+              <a:gd name="connsiteX0" fmla="*/ 487154 w 1378998"/>
+              <a:gd name="connsiteY0" fmla="*/ 337074 h 1378998"/>
+              <a:gd name="connsiteX1" fmla="*/ 487154 w 1378998"/>
+              <a:gd name="connsiteY1" fmla="*/ 1041924 h 1378998"/>
+              <a:gd name="connsiteX2" fmla="*/ 1033889 w 1378998"/>
+              <a:gd name="connsiteY2" fmla="*/ 689499 h 1378998"/>
+              <a:gd name="connsiteX3" fmla="*/ 689499 w 1378998"/>
+              <a:gd name="connsiteY3" fmla="*/ 0 h 1378998"/>
+              <a:gd name="connsiteX4" fmla="*/ 1378998 w 1378998"/>
+              <a:gd name="connsiteY4" fmla="*/ 689499 h 1378998"/>
+              <a:gd name="connsiteX5" fmla="*/ 689499 w 1378998"/>
+              <a:gd name="connsiteY5" fmla="*/ 1378998 h 1378998"/>
+              <a:gd name="connsiteX6" fmla="*/ 0 w 1378998"/>
+              <a:gd name="connsiteY6" fmla="*/ 689499 h 1378998"/>
+              <a:gd name="connsiteX7" fmla="*/ 689499 w 1378998"/>
+              <a:gd name="connsiteY7" fmla="*/ 0 h 1378998"/>
+            </a:gdLst>
+            <a:ahLst/>
+            <a:cxnLst>
+              <a:cxn ang="0">
+                <a:pos x="connsiteX0" y="connsiteY0"/>
+              </a:cxn>
+              <a:cxn ang="0">
+                <a:pos x="connsiteX1" y="connsiteY1"/>
+              </a:cxn>
+              <a:cxn ang="0">
+                <a:pos x="connsiteX2" y="connsiteY2"/>
+              </a:cxn>
+              <a:cxn ang="0">
+                <a:pos x="connsiteX3" y="connsiteY3"/>
+              </a:cxn>
+              <a:cxn ang="0">
+                <a:pos x="connsiteX4" y="connsiteY4"/>
+              </a:cxn>
+              <a:cxn ang="0">
+                <a:pos x="connsiteX5" y="connsiteY5"/>
+              </a:cxn>
+              <a:cxn ang="0">
+                <a:pos x="connsiteX6" y="connsiteY6"/>
+              </a:cxn>
+              <a:cxn ang="0">
+                <a:pos x="connsiteX7" y="connsiteY7"/>
+              </a:cxn>
+            </a:cxnLst>
+            <a:rect l="l" t="t" r="r" b="b"/>
+            <a:pathLst>
+              <a:path w="1378998" h="1378998">
+                <a:moveTo>
+                  <a:pt x="487154" y="337074"/>
+                </a:moveTo>
+                <a:lnTo>
+                  <a:pt x="487154" y="1041924"/>
+                </a:lnTo>
+                <a:lnTo>
+                  <a:pt x="1033889" y="689499"/>
+                </a:lnTo>
+                <a:close/>
+                <a:moveTo>
+                  <a:pt x="689499" y="0"/>
+                </a:moveTo>
+                <a:cubicBezTo>
+                  <a:pt x="1070299" y="0"/>
+                  <a:pt x="1378998" y="308699"/>
+                  <a:pt x="1378998" y="689499"/>
+                </a:cubicBezTo>
+                <a:cubicBezTo>
+                  <a:pt x="1378998" y="1070299"/>
+                  <a:pt x="1070299" y="1378998"/>
+                  <a:pt x="689499" y="1378998"/>
+                </a:cubicBezTo>
+                <a:cubicBezTo>
+                  <a:pt x="308699" y="1378998"/>
+                  <a:pt x="0" y="1070299"/>
+                  <a:pt x="0" y="689499"/>
+                </a:cubicBezTo>
+                <a:cubicBezTo>
+                  <a:pt x="0" y="308699"/>
+                  <a:pt x="308699" y="0"/>
+                  <a:pt x="689499" y="0"/>
+                </a:cubicBezTo>
+                <a:close/>
+              </a:path>
+            </a:pathLst>
+          </a:custGeom>
+          <a:solidFill>
+            <a:srgbClr val="00B900"/>
+          </a:solidFill>
+          <a:ln>
+            <a:noFill/>
+          </a:ln>
+        </p:spPr>
+        <p:style>
+          <a:lnRef idx="2">
+            <a:schemeClr val="accent1">
+              <a:shade val="50000"/>
+            </a:schemeClr>
+          </a:lnRef>
+          <a:fillRef idx="1">
+            <a:schemeClr val="accent1"/>
+          </a:fillRef>
+          <a:effectRef idx="0">
+            <a:schemeClr val="accent1"/>
+          </a:effectRef>
+          <a:fontRef idx="minor">
+            <a:schemeClr val="lt1"/>
+          </a:fontRef>
+        </p:style>
+        <p:txBody>
+          <a:bodyPr rtlCol="0" anchor="ctr"/>
+          <a:lstStyle/>
+          <a:p>
+            <a:pPr algn="ctr"/>
+            <a:endParaRPr lang="de-DE"/>
+          </a:p>
+        </p:txBody>
+      </p:sp>
+    </p:spTree>
+    <p:extLst>
+      <p:ext uri="{BB962C8B-B14F-4D97-AF65-F5344CB8AC3E}">
+        <p14:creationId xmlns:p14="http://schemas.microsoft.com/office/powerpoint/2010/main" val="2300991065"/>
+      </p:ext>
+    </p:extLst>
+  </p:cSld>
+  <p:clrMapOvr>
+    <a:masterClrMapping/>
+  </p:clrMapOvr>
+</p:sld>
+</file>
+
+<file path=ppt/slides/slide7.xml><?xml version="1.0" encoding="utf-8"?>
+<p:sld xmlns:a="http://schemas.openxmlformats.org/drawingml/2006/main" xmlns:r="http://schemas.openxmlformats.org/officeDocument/2006/relationships" xmlns:p="http://schemas.openxmlformats.org/presentationml/2006/main">
+  <p:cSld>
+    <p:spTree>
+      <p:nvGrpSpPr>
+        <p:cNvPr id="1" name=""/>
+        <p:cNvGrpSpPr/>
+        <p:nvPr/>
+      </p:nvGrpSpPr>
+      <p:grpSpPr>
+        <a:xfrm>
+          <a:off x="0" y="0"/>
+          <a:ext cx="0" cy="0"/>
+          <a:chOff x="0" y="0"/>
+          <a:chExt cx="0" cy="0"/>
+        </a:xfrm>
+      </p:grpSpPr>
+      <p:sp>
+        <p:nvSpPr>
           <p:cNvPr id="6" name="Titel 5">
             <a:extLst>
               <a:ext uri="{FF2B5EF4-FFF2-40B4-BE49-F238E27FC236}">
